--- a/HINS_MCU_V2.0/doc/程式架構變更紀錄.pptx
+++ b/HINS_MCU_V2.0/doc/程式架構變更紀錄.pptx
@@ -15,6 +15,8 @@
     <p:sldId id="263" r:id="rId9"/>
     <p:sldId id="264" r:id="rId10"/>
     <p:sldId id="265" r:id="rId11"/>
+    <p:sldId id="266" r:id="rId12"/>
+    <p:sldId id="267" r:id="rId13"/>
   </p:sldIdLst>
   <p:sldSz cx="12192000" cy="6858000"/>
   <p:notesSz cx="6858000" cy="9144000"/>
@@ -3735,6 +3737,78 @@
 </p:sld>
 </file>
 
+<file path=ppt/slides/slide11.xml><?xml version="1.0" encoding="utf-8"?>
+<p:sld xmlns:a="http://schemas.openxmlformats.org/drawingml/2006/main" xmlns:r="http://schemas.openxmlformats.org/officeDocument/2006/relationships" xmlns:p="http://schemas.openxmlformats.org/presentationml/2006/main">
+  <p:cSld>
+    <p:spTree>
+      <p:nvGrpSpPr>
+        <p:cNvPr id="1" name="">
+          <a:extLst>
+            <a:ext uri="{FF2B5EF4-FFF2-40B4-BE49-F238E27FC236}">
+              <a16:creationId xmlns:a16="http://schemas.microsoft.com/office/drawing/2014/main" id="{70521183-9602-5F31-C7C8-C791BCA80F3A}"/>
+            </a:ext>
+          </a:extLst>
+        </p:cNvPr>
+        <p:cNvGrpSpPr/>
+        <p:nvPr/>
+      </p:nvGrpSpPr>
+      <p:grpSpPr>
+        <a:xfrm>
+          <a:off x="0" y="0"/>
+          <a:ext cx="0" cy="0"/>
+          <a:chOff x="0" y="0"/>
+          <a:chExt cx="0" cy="0"/>
+        </a:xfrm>
+      </p:grpSpPr>
+    </p:spTree>
+    <p:extLst>
+      <p:ext uri="{BB962C8B-B14F-4D97-AF65-F5344CB8AC3E}">
+        <p14:creationId xmlns:p14="http://schemas.microsoft.com/office/powerpoint/2010/main" val="2013717643"/>
+      </p:ext>
+    </p:extLst>
+  </p:cSld>
+  <p:clrMapOvr>
+    <a:masterClrMapping/>
+  </p:clrMapOvr>
+</p:sld>
+</file>
+
+<file path=ppt/slides/slide12.xml><?xml version="1.0" encoding="utf-8"?>
+<p:sld xmlns:a="http://schemas.openxmlformats.org/drawingml/2006/main" xmlns:r="http://schemas.openxmlformats.org/officeDocument/2006/relationships" xmlns:p="http://schemas.openxmlformats.org/presentationml/2006/main">
+  <p:cSld>
+    <p:spTree>
+      <p:nvGrpSpPr>
+        <p:cNvPr id="1" name="">
+          <a:extLst>
+            <a:ext uri="{FF2B5EF4-FFF2-40B4-BE49-F238E27FC236}">
+              <a16:creationId xmlns:a16="http://schemas.microsoft.com/office/drawing/2014/main" id="{FF3B9BA9-084B-F79D-F649-EEA6D809BED5}"/>
+            </a:ext>
+          </a:extLst>
+        </p:cNvPr>
+        <p:cNvGrpSpPr/>
+        <p:nvPr/>
+      </p:nvGrpSpPr>
+      <p:grpSpPr>
+        <a:xfrm>
+          <a:off x="0" y="0"/>
+          <a:ext cx="0" cy="0"/>
+          <a:chOff x="0" y="0"/>
+          <a:chExt cx="0" cy="0"/>
+        </a:xfrm>
+      </p:grpSpPr>
+    </p:spTree>
+    <p:extLst>
+      <p:ext uri="{BB962C8B-B14F-4D97-AF65-F5344CB8AC3E}">
+        <p14:creationId xmlns:p14="http://schemas.microsoft.com/office/powerpoint/2010/main" val="2836173566"/>
+      </p:ext>
+    </p:extLst>
+  </p:cSld>
+  <p:clrMapOvr>
+    <a:masterClrMapping/>
+  </p:clrMapOvr>
+</p:sld>
+</file>
+
 <file path=ppt/slides/slide2.xml><?xml version="1.0" encoding="utf-8"?>
 <p:sld xmlns:a="http://schemas.openxmlformats.org/drawingml/2006/main" xmlns:r="http://schemas.openxmlformats.org/officeDocument/2006/relationships" xmlns:p="http://schemas.openxmlformats.org/presentationml/2006/main">
   <p:cSld>
@@ -4538,6 +4612,96 @@
           <a:chExt cx="0" cy="0"/>
         </a:xfrm>
       </p:grpSpPr>
+      <p:pic>
+        <p:nvPicPr>
+          <p:cNvPr id="3" name="圖片 2" descr="一張含有 文字, 螢幕擷取畫面, 字型, 代數 的圖片&#10;&#10;AI 產生的內容可能不正確。">
+            <a:extLst>
+              <a:ext uri="{FF2B5EF4-FFF2-40B4-BE49-F238E27FC236}">
+                <a16:creationId xmlns:a16="http://schemas.microsoft.com/office/drawing/2014/main" id="{44D1E243-C841-A111-39C4-E896644279FC}"/>
+              </a:ext>
+            </a:extLst>
+          </p:cNvPr>
+          <p:cNvPicPr>
+            <a:picLocks noChangeAspect="1"/>
+          </p:cNvPicPr>
+          <p:nvPr/>
+        </p:nvPicPr>
+        <p:blipFill>
+          <a:blip r:embed="rId2"/>
+          <a:stretch>
+            <a:fillRect/>
+          </a:stretch>
+        </p:blipFill>
+        <p:spPr>
+          <a:xfrm>
+            <a:off x="551900" y="459264"/>
+            <a:ext cx="4906060" cy="3077004"/>
+          </a:xfrm>
+          <a:prstGeom prst="rect">
+            <a:avLst/>
+          </a:prstGeom>
+        </p:spPr>
+      </p:pic>
+      <p:pic>
+        <p:nvPicPr>
+          <p:cNvPr id="5" name="圖片 4" descr="一張含有 文字, 螢幕擷取畫面, 字型 的圖片&#10;&#10;AI 產生的內容可能不正確。">
+            <a:extLst>
+              <a:ext uri="{FF2B5EF4-FFF2-40B4-BE49-F238E27FC236}">
+                <a16:creationId xmlns:a16="http://schemas.microsoft.com/office/drawing/2014/main" id="{C5E71E7C-B1EB-216E-8C2D-36C175D2BFD3}"/>
+              </a:ext>
+            </a:extLst>
+          </p:cNvPr>
+          <p:cNvPicPr>
+            <a:picLocks noChangeAspect="1"/>
+          </p:cNvPicPr>
+          <p:nvPr/>
+        </p:nvPicPr>
+        <p:blipFill>
+          <a:blip r:embed="rId3"/>
+          <a:stretch>
+            <a:fillRect/>
+          </a:stretch>
+        </p:blipFill>
+        <p:spPr>
+          <a:xfrm>
+            <a:off x="640622" y="3665283"/>
+            <a:ext cx="3496163" cy="2648320"/>
+          </a:xfrm>
+          <a:prstGeom prst="rect">
+            <a:avLst/>
+          </a:prstGeom>
+        </p:spPr>
+      </p:pic>
+      <p:pic>
+        <p:nvPicPr>
+          <p:cNvPr id="7" name="圖片 6" descr="一張含有 文字, 字型, 白色, 代數 的圖片&#10;&#10;AI 產生的內容可能不正確。">
+            <a:extLst>
+              <a:ext uri="{FF2B5EF4-FFF2-40B4-BE49-F238E27FC236}">
+                <a16:creationId xmlns:a16="http://schemas.microsoft.com/office/drawing/2014/main" id="{8C372AA9-2962-16BD-08D8-91A262A6C571}"/>
+              </a:ext>
+            </a:extLst>
+          </p:cNvPr>
+          <p:cNvPicPr>
+            <a:picLocks noChangeAspect="1"/>
+          </p:cNvPicPr>
+          <p:nvPr/>
+        </p:nvPicPr>
+        <p:blipFill>
+          <a:blip r:embed="rId4"/>
+          <a:stretch>
+            <a:fillRect/>
+          </a:stretch>
+        </p:blipFill>
+        <p:spPr>
+          <a:xfrm>
+            <a:off x="5225197" y="4322569"/>
+            <a:ext cx="4305901" cy="1790950"/>
+          </a:xfrm>
+          <a:prstGeom prst="rect">
+            <a:avLst/>
+          </a:prstGeom>
+        </p:spPr>
+      </p:pic>
     </p:spTree>
     <p:extLst>
       <p:ext uri="{BB962C8B-B14F-4D97-AF65-F5344CB8AC3E}">
